--- a/documentation/required documents/Präsentation/Webasierter Datenkbankmanager - Präsentation - Merged.pptx
+++ b/documentation/required documents/Präsentation/Webasierter Datenkbankmanager - Präsentation - Merged.pptx
@@ -35,12 +35,12 @@
   <p:notesSz cx="6858000" cy="9144000"/>
   <p:embeddedFontLst>
     <p:embeddedFont>
-      <p:font typeface="Fira Code" pitchFamily="1" charset="0"/>
+      <p:font typeface="Fira Code" panose="020B0809050000020004" pitchFamily="49" charset="0"/>
       <p:regular r:id="rId25"/>
       <p:bold r:id="rId26"/>
     </p:embeddedFont>
     <p:embeddedFont>
-      <p:font typeface="Fira Code Light" pitchFamily="1" charset="0"/>
+      <p:font typeface="Fira Code Light" panose="020B0809050000020004" pitchFamily="49" charset="0"/>
       <p:regular r:id="rId27"/>
     </p:embeddedFont>
     <p:embeddedFont>
@@ -12640,7 +12640,7 @@
         </p:nvGraphicFramePr>
         <p:xfrm>
           <a:off x="940844" y="1875291"/>
-          <a:ext cx="3755697" cy="2503005"/>
+          <a:ext cx="3755697" cy="2501862"/>
         </p:xfrm>
         <a:graphic>
           <a:graphicData uri="http://schemas.openxmlformats.org/drawingml/2006/table">
@@ -23058,7 +23058,7 @@
             </a:pPr>
             <a:r>
               <a:rPr lang="en-US" dirty="0"/>
-              <a:t>1</a:t>
+              <a:t>ORGANISATION</a:t>
             </a:r>
           </a:p>
           <a:p>
@@ -23074,7 +23074,7 @@
             </a:pPr>
             <a:r>
               <a:rPr lang="en" dirty="0"/>
-              <a:t>2</a:t>
+              <a:t>PROJEKT ARCHITEKTUR</a:t>
             </a:r>
             <a:endParaRPr dirty="0"/>
           </a:p>
@@ -23091,7 +23091,7 @@
             </a:pPr>
             <a:r>
               <a:rPr lang="de-DE" dirty="0"/>
-              <a:t>3</a:t>
+              <a:t>DOCKER</a:t>
             </a:r>
             <a:endParaRPr dirty="0"/>
           </a:p>
@@ -23108,7 +23108,7 @@
             </a:pPr>
             <a:r>
               <a:rPr lang="de-DE" dirty="0"/>
-              <a:t>4</a:t>
+              <a:t>HTTP API</a:t>
             </a:r>
             <a:endParaRPr dirty="0"/>
           </a:p>
@@ -23129,7 +23129,7 @@
                   <a:noFill/>
                 </a:uFill>
               </a:rPr>
-              <a:t>5</a:t>
+              <a:t>JSON Web Token</a:t>
             </a:r>
             <a:endParaRPr dirty="0"/>
           </a:p>
@@ -23146,7 +23146,135 @@
             </a:pPr>
             <a:r>
               <a:rPr lang="de-DE" dirty="0"/>
-              <a:t>6</a:t>
+              <a:t>MVC</a:t>
+            </a:r>
+          </a:p>
+          <a:p>
+            <a:pPr marL="365760" lvl="0" indent="-154939" algn="l" rtl="0">
+              <a:spcBef>
+                <a:spcPts val="0"/>
+              </a:spcBef>
+              <a:spcAft>
+                <a:spcPts val="0"/>
+              </a:spcAft>
+              <a:buSzPts val="1000"/>
+              <a:buAutoNum type="arabicPeriod"/>
+            </a:pPr>
+            <a:r>
+              <a:rPr lang="de-DE" dirty="0"/>
+              <a:t>ROUTEN</a:t>
+            </a:r>
+          </a:p>
+          <a:p>
+            <a:pPr marL="365760" lvl="0" indent="-154939" algn="l" rtl="0">
+              <a:spcBef>
+                <a:spcPts val="0"/>
+              </a:spcBef>
+              <a:spcAft>
+                <a:spcPts val="0"/>
+              </a:spcAft>
+              <a:buSzPts val="1000"/>
+              <a:buAutoNum type="arabicPeriod"/>
+            </a:pPr>
+            <a:r>
+              <a:rPr lang="en" sz="1000" dirty="0"/>
+              <a:t>Autentifizierung</a:t>
+            </a:r>
+          </a:p>
+          <a:p>
+            <a:pPr marL="365760" lvl="0" indent="-154939" algn="l" rtl="0">
+              <a:spcBef>
+                <a:spcPts val="0"/>
+              </a:spcBef>
+              <a:spcAft>
+                <a:spcPts val="0"/>
+              </a:spcAft>
+              <a:buSzPts val="1000"/>
+              <a:buAutoNum type="arabicPeriod"/>
+            </a:pPr>
+            <a:r>
+              <a:rPr lang="en" sz="1000" dirty="0"/>
+              <a:t>JWT Verarbeitung</a:t>
+            </a:r>
+          </a:p>
+          <a:p>
+            <a:pPr marL="365760" lvl="0" indent="-154939" algn="l" rtl="0">
+              <a:spcBef>
+                <a:spcPts val="0"/>
+              </a:spcBef>
+              <a:spcAft>
+                <a:spcPts val="0"/>
+              </a:spcAft>
+              <a:buSzPts val="1000"/>
+              <a:buAutoNum type="arabicPeriod"/>
+            </a:pPr>
+            <a:r>
+              <a:rPr lang="en" sz="1000" dirty="0"/>
+              <a:t>Kommunikation</a:t>
+            </a:r>
+          </a:p>
+          <a:p>
+            <a:pPr marL="365760" lvl="0" indent="-154939" algn="l" rtl="0">
+              <a:spcBef>
+                <a:spcPts val="0"/>
+              </a:spcBef>
+              <a:spcAft>
+                <a:spcPts val="0"/>
+              </a:spcAft>
+              <a:buSzPts val="1000"/>
+              <a:buAutoNum type="arabicPeriod"/>
+            </a:pPr>
+            <a:r>
+              <a:rPr lang="en" sz="1000" dirty="0"/>
+              <a:t>Validierung</a:t>
+            </a:r>
+          </a:p>
+          <a:p>
+            <a:pPr marL="365760" lvl="0" indent="-154939" algn="l" rtl="0">
+              <a:spcBef>
+                <a:spcPts val="0"/>
+              </a:spcBef>
+              <a:spcAft>
+                <a:spcPts val="0"/>
+              </a:spcAft>
+              <a:buSzPts val="1000"/>
+              <a:buAutoNum type="arabicPeriod"/>
+            </a:pPr>
+            <a:r>
+              <a:rPr lang="de-DE" dirty="0"/>
+              <a:t>Angular</a:t>
+            </a:r>
+          </a:p>
+          <a:p>
+            <a:pPr marL="365760" lvl="0" indent="-154939" algn="l" rtl="0">
+              <a:spcBef>
+                <a:spcPts val="0"/>
+              </a:spcBef>
+              <a:spcAft>
+                <a:spcPts val="0"/>
+              </a:spcAft>
+              <a:buSzPts val="1000"/>
+              <a:buAutoNum type="arabicPeriod"/>
+            </a:pPr>
+            <a:r>
+              <a:rPr lang="de-DE" dirty="0"/>
+              <a:t>Material</a:t>
+            </a:r>
+          </a:p>
+          <a:p>
+            <a:pPr marL="365760" lvl="0" indent="-154939" algn="l" rtl="0">
+              <a:spcBef>
+                <a:spcPts val="0"/>
+              </a:spcBef>
+              <a:spcAft>
+                <a:spcPts val="0"/>
+              </a:spcAft>
+              <a:buSzPts val="1000"/>
+              <a:buAutoNum type="arabicPeriod"/>
+            </a:pPr>
+            <a:r>
+              <a:rPr lang="de-DE" dirty="0"/>
+              <a:t>Struktur</a:t>
             </a:r>
             <a:endParaRPr dirty="0"/>
           </a:p>
